--- a/docs/diagrams/TaskListSequenceDiagram.pptx
+++ b/docs/diagrams/TaskListSequenceDiagram.pptx
@@ -289,7 +289,7 @@
             <a:fld id="{8151F6BF-3986-48D8-86F9-857EFF229DCD}" type="datetimeFigureOut">
               <a:rPr lang="en-SG" smtClean="0"/>
               <a:pPr/>
-              <a:t>27/3/2018</a:t>
+              <a:t>2/4/2018</a:t>
             </a:fld>
             <a:endParaRPr lang="en-SG"/>
           </a:p>
@@ -456,7 +456,7 @@
             <a:fld id="{8151F6BF-3986-48D8-86F9-857EFF229DCD}" type="datetimeFigureOut">
               <a:rPr lang="en-SG" smtClean="0"/>
               <a:pPr/>
-              <a:t>27/3/2018</a:t>
+              <a:t>2/4/2018</a:t>
             </a:fld>
             <a:endParaRPr lang="en-SG"/>
           </a:p>
@@ -633,7 +633,7 @@
             <a:fld id="{8151F6BF-3986-48D8-86F9-857EFF229DCD}" type="datetimeFigureOut">
               <a:rPr lang="en-SG" smtClean="0"/>
               <a:pPr/>
-              <a:t>27/3/2018</a:t>
+              <a:t>2/4/2018</a:t>
             </a:fld>
             <a:endParaRPr lang="en-SG"/>
           </a:p>
@@ -800,7 +800,7 @@
             <a:fld id="{8151F6BF-3986-48D8-86F9-857EFF229DCD}" type="datetimeFigureOut">
               <a:rPr lang="en-SG" smtClean="0"/>
               <a:pPr/>
-              <a:t>27/3/2018</a:t>
+              <a:t>2/4/2018</a:t>
             </a:fld>
             <a:endParaRPr lang="en-SG"/>
           </a:p>
@@ -1043,7 +1043,7 @@
             <a:fld id="{8151F6BF-3986-48D8-86F9-857EFF229DCD}" type="datetimeFigureOut">
               <a:rPr lang="en-SG" smtClean="0"/>
               <a:pPr/>
-              <a:t>27/3/2018</a:t>
+              <a:t>2/4/2018</a:t>
             </a:fld>
             <a:endParaRPr lang="en-SG"/>
           </a:p>
@@ -1328,7 +1328,7 @@
             <a:fld id="{8151F6BF-3986-48D8-86F9-857EFF229DCD}" type="datetimeFigureOut">
               <a:rPr lang="en-SG" smtClean="0"/>
               <a:pPr/>
-              <a:t>27/3/2018</a:t>
+              <a:t>2/4/2018</a:t>
             </a:fld>
             <a:endParaRPr lang="en-SG"/>
           </a:p>
@@ -1747,7 +1747,7 @@
             <a:fld id="{8151F6BF-3986-48D8-86F9-857EFF229DCD}" type="datetimeFigureOut">
               <a:rPr lang="en-SG" smtClean="0"/>
               <a:pPr/>
-              <a:t>27/3/2018</a:t>
+              <a:t>2/4/2018</a:t>
             </a:fld>
             <a:endParaRPr lang="en-SG"/>
           </a:p>
@@ -1862,7 +1862,7 @@
             <a:fld id="{8151F6BF-3986-48D8-86F9-857EFF229DCD}" type="datetimeFigureOut">
               <a:rPr lang="en-SG" smtClean="0"/>
               <a:pPr/>
-              <a:t>27/3/2018</a:t>
+              <a:t>2/4/2018</a:t>
             </a:fld>
             <a:endParaRPr lang="en-SG"/>
           </a:p>
@@ -1954,7 +1954,7 @@
             <a:fld id="{8151F6BF-3986-48D8-86F9-857EFF229DCD}" type="datetimeFigureOut">
               <a:rPr lang="en-SG" smtClean="0"/>
               <a:pPr/>
-              <a:t>27/3/2018</a:t>
+              <a:t>2/4/2018</a:t>
             </a:fld>
             <a:endParaRPr lang="en-SG"/>
           </a:p>
@@ -2228,7 +2228,7 @@
             <a:fld id="{8151F6BF-3986-48D8-86F9-857EFF229DCD}" type="datetimeFigureOut">
               <a:rPr lang="en-SG" smtClean="0"/>
               <a:pPr/>
-              <a:t>27/3/2018</a:t>
+              <a:t>2/4/2018</a:t>
             </a:fld>
             <a:endParaRPr lang="en-SG"/>
           </a:p>
@@ -2478,7 +2478,7 @@
             <a:fld id="{8151F6BF-3986-48D8-86F9-857EFF229DCD}" type="datetimeFigureOut">
               <a:rPr lang="en-SG" smtClean="0"/>
               <a:pPr/>
-              <a:t>27/3/2018</a:t>
+              <a:t>2/4/2018</a:t>
             </a:fld>
             <a:endParaRPr lang="en-SG"/>
           </a:p>
@@ -2688,7 +2688,7 @@
             <a:fld id="{8151F6BF-3986-48D8-86F9-857EFF229DCD}" type="datetimeFigureOut">
               <a:rPr lang="en-SG" smtClean="0"/>
               <a:pPr/>
-              <a:t>27/3/2018</a:t>
+              <a:t>2/4/2018</a:t>
             </a:fld>
             <a:endParaRPr lang="en-SG"/>
           </a:p>
@@ -4100,7 +4100,7 @@
           </a:prstGeom>
           <a:ln w="19050">
             <a:solidFill>
-              <a:srgbClr val="00B050"/>
+              <a:srgbClr val="0070C0"/>
             </a:solidFill>
             <a:tailEnd type="arrow"/>
           </a:ln>
@@ -5215,7 +5215,7 @@
         </p:nvSpPr>
         <p:spPr>
           <a:xfrm>
-            <a:off x="3045824" y="2873945"/>
+            <a:off x="3045824" y="2852936"/>
             <a:ext cx="220343" cy="276999"/>
           </a:xfrm>
           <a:prstGeom prst="rect">
@@ -5324,7 +5324,7 @@
           </a:lstStyle>
           <a:p>
             <a:r>
-              <a:rPr lang="en-US" dirty="0" err="1" smtClean="0">
+              <a:rPr lang="en-US" dirty="0" smtClean="0">
                 <a:solidFill>
                   <a:srgbClr val="0070C0"/>
                 </a:solidFill>
@@ -5482,15 +5482,7 @@
                   <a:schemeClr val="bg1"/>
                 </a:solidFill>
               </a:rPr>
-              <a:t>:</a:t>
-            </a:r>
-            <a:r>
-              <a:rPr lang="en-US" sz="1600" dirty="0" err="1" smtClean="0">
-                <a:solidFill>
-                  <a:schemeClr val="bg1"/>
-                </a:solidFill>
-              </a:rPr>
-              <a:t>ModelManager</a:t>
+              <a:t>:ModelManager</a:t>
             </a:r>
             <a:endParaRPr lang="en-SG" sz="1600" dirty="0">
               <a:solidFill>
@@ -5899,7 +5891,7 @@
           <p:cNvPr id="75" name="Straight Arrow Connector 74">
             <a:extLst>
               <a:ext uri="{FF2B5EF4-FFF2-40B4-BE49-F238E27FC236}">
-                <a16:creationId xmlns="" xmlns:a16="http://schemas.microsoft.com/office/drawing/2014/main" xmlns:lc="http://schemas.openxmlformats.org/drawingml/2006/lockedCanvas" id="{39916E2E-195A-4DC8-B025-B05FA87E6796}"/>
+                <a16:creationId xmlns:lc="http://schemas.openxmlformats.org/drawingml/2006/lockedCanvas" xmlns:a16="http://schemas.microsoft.com/office/drawing/2014/main" xmlns="" id="{39916E2E-195A-4DC8-B025-B05FA87E6796}"/>
               </a:ext>
             </a:extLst>
           </p:cNvPr>
@@ -5943,7 +5935,7 @@
           <p:cNvPr id="76" name="Straight Arrow Connector 75">
             <a:extLst>
               <a:ext uri="{FF2B5EF4-FFF2-40B4-BE49-F238E27FC236}">
-                <a16:creationId xmlns="" xmlns:a16="http://schemas.microsoft.com/office/drawing/2014/main" xmlns:lc="http://schemas.openxmlformats.org/drawingml/2006/lockedCanvas" id="{D881596E-177C-4FDC-8E60-CAB90B3D5FAB}"/>
+                <a16:creationId xmlns:lc="http://schemas.openxmlformats.org/drawingml/2006/lockedCanvas" xmlns:a16="http://schemas.microsoft.com/office/drawing/2014/main" xmlns="" id="{D881596E-177C-4FDC-8E60-CAB90B3D5FAB}"/>
               </a:ext>
             </a:extLst>
           </p:cNvPr>
@@ -5954,8 +5946,8 @@
         </p:nvCxnSpPr>
         <p:spPr>
           <a:xfrm>
-            <a:off x="2029276" y="2332070"/>
-            <a:ext cx="2286000" cy="1"/>
+            <a:off x="1979712" y="2332070"/>
+            <a:ext cx="2322000" cy="1"/>
           </a:xfrm>
           <a:prstGeom prst="straightConnector1">
             <a:avLst/>
@@ -5987,7 +5979,7 @@
           <p:cNvPr id="77" name="Straight Arrow Connector 76">
             <a:extLst>
               <a:ext uri="{FF2B5EF4-FFF2-40B4-BE49-F238E27FC236}">
-                <a16:creationId xmlns="" xmlns:a16="http://schemas.microsoft.com/office/drawing/2014/main" xmlns:lc="http://schemas.openxmlformats.org/drawingml/2006/lockedCanvas" id="{7C9F21BC-13A9-471F-825A-2621FD36355F}"/>
+                <a16:creationId xmlns:lc="http://schemas.openxmlformats.org/drawingml/2006/lockedCanvas" xmlns:a16="http://schemas.microsoft.com/office/drawing/2014/main" xmlns="" id="{7C9F21BC-13A9-471F-825A-2621FD36355F}"/>
               </a:ext>
             </a:extLst>
           </p:cNvPr>
@@ -6033,7 +6025,7 @@
           <p:cNvPr id="78" name="Straight Arrow Connector 77">
             <a:extLst>
               <a:ext uri="{FF2B5EF4-FFF2-40B4-BE49-F238E27FC236}">
-                <a16:creationId xmlns="" xmlns:a16="http://schemas.microsoft.com/office/drawing/2014/main" xmlns:lc="http://schemas.openxmlformats.org/drawingml/2006/lockedCanvas" id="{854D9FBB-2B36-4DC9-8B58-F7F177A8E586}"/>
+                <a16:creationId xmlns:lc="http://schemas.openxmlformats.org/drawingml/2006/lockedCanvas" xmlns:a16="http://schemas.microsoft.com/office/drawing/2014/main" xmlns="" id="{854D9FBB-2B36-4DC9-8B58-F7F177A8E586}"/>
               </a:ext>
             </a:extLst>
           </p:cNvPr>
@@ -6191,7 +6183,7 @@
           </a:lstStyle>
           <a:p>
             <a:r>
-              <a:rPr lang="en-US" dirty="0" err="1" smtClean="0">
+              <a:rPr lang="en-US" dirty="0" smtClean="0">
                 <a:solidFill>
                   <a:srgbClr val="0070C0"/>
                 </a:solidFill>

--- a/docs/diagrams/TaskListSequenceDiagram.pptx
+++ b/docs/diagrams/TaskListSequenceDiagram.pptx
@@ -289,7 +289,7 @@
             <a:fld id="{8151F6BF-3986-48D8-86F9-857EFF229DCD}" type="datetimeFigureOut">
               <a:rPr lang="en-SG" smtClean="0"/>
               <a:pPr/>
-              <a:t>2/4/2018</a:t>
+              <a:t>4/4/2018</a:t>
             </a:fld>
             <a:endParaRPr lang="en-SG"/>
           </a:p>
@@ -456,7 +456,7 @@
             <a:fld id="{8151F6BF-3986-48D8-86F9-857EFF229DCD}" type="datetimeFigureOut">
               <a:rPr lang="en-SG" smtClean="0"/>
               <a:pPr/>
-              <a:t>2/4/2018</a:t>
+              <a:t>4/4/2018</a:t>
             </a:fld>
             <a:endParaRPr lang="en-SG"/>
           </a:p>
@@ -633,7 +633,7 @@
             <a:fld id="{8151F6BF-3986-48D8-86F9-857EFF229DCD}" type="datetimeFigureOut">
               <a:rPr lang="en-SG" smtClean="0"/>
               <a:pPr/>
-              <a:t>2/4/2018</a:t>
+              <a:t>4/4/2018</a:t>
             </a:fld>
             <a:endParaRPr lang="en-SG"/>
           </a:p>
@@ -800,7 +800,7 @@
             <a:fld id="{8151F6BF-3986-48D8-86F9-857EFF229DCD}" type="datetimeFigureOut">
               <a:rPr lang="en-SG" smtClean="0"/>
               <a:pPr/>
-              <a:t>2/4/2018</a:t>
+              <a:t>4/4/2018</a:t>
             </a:fld>
             <a:endParaRPr lang="en-SG"/>
           </a:p>
@@ -1043,7 +1043,7 @@
             <a:fld id="{8151F6BF-3986-48D8-86F9-857EFF229DCD}" type="datetimeFigureOut">
               <a:rPr lang="en-SG" smtClean="0"/>
               <a:pPr/>
-              <a:t>2/4/2018</a:t>
+              <a:t>4/4/2018</a:t>
             </a:fld>
             <a:endParaRPr lang="en-SG"/>
           </a:p>
@@ -1328,7 +1328,7 @@
             <a:fld id="{8151F6BF-3986-48D8-86F9-857EFF229DCD}" type="datetimeFigureOut">
               <a:rPr lang="en-SG" smtClean="0"/>
               <a:pPr/>
-              <a:t>2/4/2018</a:t>
+              <a:t>4/4/2018</a:t>
             </a:fld>
             <a:endParaRPr lang="en-SG"/>
           </a:p>
@@ -1747,7 +1747,7 @@
             <a:fld id="{8151F6BF-3986-48D8-86F9-857EFF229DCD}" type="datetimeFigureOut">
               <a:rPr lang="en-SG" smtClean="0"/>
               <a:pPr/>
-              <a:t>2/4/2018</a:t>
+              <a:t>4/4/2018</a:t>
             </a:fld>
             <a:endParaRPr lang="en-SG"/>
           </a:p>
@@ -1862,7 +1862,7 @@
             <a:fld id="{8151F6BF-3986-48D8-86F9-857EFF229DCD}" type="datetimeFigureOut">
               <a:rPr lang="en-SG" smtClean="0"/>
               <a:pPr/>
-              <a:t>2/4/2018</a:t>
+              <a:t>4/4/2018</a:t>
             </a:fld>
             <a:endParaRPr lang="en-SG"/>
           </a:p>
@@ -1954,7 +1954,7 @@
             <a:fld id="{8151F6BF-3986-48D8-86F9-857EFF229DCD}" type="datetimeFigureOut">
               <a:rPr lang="en-SG" smtClean="0"/>
               <a:pPr/>
-              <a:t>2/4/2018</a:t>
+              <a:t>4/4/2018</a:t>
             </a:fld>
             <a:endParaRPr lang="en-SG"/>
           </a:p>
@@ -2228,7 +2228,7 @@
             <a:fld id="{8151F6BF-3986-48D8-86F9-857EFF229DCD}" type="datetimeFigureOut">
               <a:rPr lang="en-SG" smtClean="0"/>
               <a:pPr/>
-              <a:t>2/4/2018</a:t>
+              <a:t>4/4/2018</a:t>
             </a:fld>
             <a:endParaRPr lang="en-SG"/>
           </a:p>
@@ -2478,7 +2478,7 @@
             <a:fld id="{8151F6BF-3986-48D8-86F9-857EFF229DCD}" type="datetimeFigureOut">
               <a:rPr lang="en-SG" smtClean="0"/>
               <a:pPr/>
-              <a:t>2/4/2018</a:t>
+              <a:t>4/4/2018</a:t>
             </a:fld>
             <a:endParaRPr lang="en-SG"/>
           </a:p>
@@ -2688,7 +2688,7 @@
             <a:fld id="{8151F6BF-3986-48D8-86F9-857EFF229DCD}" type="datetimeFigureOut">
               <a:rPr lang="en-SG" smtClean="0"/>
               <a:pPr/>
-              <a:t>2/4/2018</a:t>
+              <a:t>4/4/2018</a:t>
             </a:fld>
             <a:endParaRPr lang="en-SG"/>
           </a:p>
@@ -4821,8 +4821,8 @@
         </p:nvSpPr>
         <p:spPr>
           <a:xfrm>
-            <a:off x="2062205" y="2060848"/>
-            <a:ext cx="2365779" cy="246221"/>
+            <a:off x="2206221" y="2060848"/>
+            <a:ext cx="2005739" cy="215444"/>
           </a:xfrm>
           <a:prstGeom prst="rect">
             <a:avLst/>
@@ -4930,7 +4930,7 @@
           </a:lstStyle>
           <a:p>
             <a:r>
-              <a:rPr lang="en-US" sz="1600" dirty="0">
+              <a:rPr lang="en-US" sz="1400" dirty="0">
                 <a:solidFill>
                   <a:srgbClr val="0070C0"/>
                 </a:solidFill>
@@ -4938,14 +4938,14 @@
               <a:t>parseCommand</a:t>
             </a:r>
             <a:r>
-              <a:rPr lang="en-US" sz="1600" dirty="0" smtClean="0">
+              <a:rPr lang="en-US" sz="1400" dirty="0" smtClean="0">
                 <a:solidFill>
                   <a:srgbClr val="0070C0"/>
                 </a:solidFill>
               </a:rPr>
               <a:t>(“task-list”)</a:t>
             </a:r>
-            <a:endParaRPr lang="en-US" sz="1600" dirty="0">
+            <a:endParaRPr lang="en-US" sz="1400" dirty="0">
               <a:solidFill>
                 <a:srgbClr val="0070C0"/>
               </a:solidFill>
@@ -5891,7 +5891,7 @@
           <p:cNvPr id="75" name="Straight Arrow Connector 74">
             <a:extLst>
               <a:ext uri="{FF2B5EF4-FFF2-40B4-BE49-F238E27FC236}">
-                <a16:creationId xmlns:lc="http://schemas.openxmlformats.org/drawingml/2006/lockedCanvas" xmlns:a16="http://schemas.microsoft.com/office/drawing/2014/main" xmlns="" id="{39916E2E-195A-4DC8-B025-B05FA87E6796}"/>
+                <a16:creationId xmlns="" xmlns:a16="http://schemas.microsoft.com/office/drawing/2014/main" xmlns:lc="http://schemas.openxmlformats.org/drawingml/2006/lockedCanvas" id="{39916E2E-195A-4DC8-B025-B05FA87E6796}"/>
               </a:ext>
             </a:extLst>
           </p:cNvPr>
@@ -5935,7 +5935,7 @@
           <p:cNvPr id="76" name="Straight Arrow Connector 75">
             <a:extLst>
               <a:ext uri="{FF2B5EF4-FFF2-40B4-BE49-F238E27FC236}">
-                <a16:creationId xmlns:lc="http://schemas.openxmlformats.org/drawingml/2006/lockedCanvas" xmlns:a16="http://schemas.microsoft.com/office/drawing/2014/main" xmlns="" id="{D881596E-177C-4FDC-8E60-CAB90B3D5FAB}"/>
+                <a16:creationId xmlns="" xmlns:a16="http://schemas.microsoft.com/office/drawing/2014/main" xmlns:lc="http://schemas.openxmlformats.org/drawingml/2006/lockedCanvas" id="{D881596E-177C-4FDC-8E60-CAB90B3D5FAB}"/>
               </a:ext>
             </a:extLst>
           </p:cNvPr>
@@ -5979,7 +5979,7 @@
           <p:cNvPr id="77" name="Straight Arrow Connector 76">
             <a:extLst>
               <a:ext uri="{FF2B5EF4-FFF2-40B4-BE49-F238E27FC236}">
-                <a16:creationId xmlns:lc="http://schemas.openxmlformats.org/drawingml/2006/lockedCanvas" xmlns:a16="http://schemas.microsoft.com/office/drawing/2014/main" xmlns="" id="{7C9F21BC-13A9-471F-825A-2621FD36355F}"/>
+                <a16:creationId xmlns="" xmlns:a16="http://schemas.microsoft.com/office/drawing/2014/main" xmlns:lc="http://schemas.openxmlformats.org/drawingml/2006/lockedCanvas" id="{7C9F21BC-13A9-471F-825A-2621FD36355F}"/>
               </a:ext>
             </a:extLst>
           </p:cNvPr>
@@ -6025,7 +6025,7 @@
           <p:cNvPr id="78" name="Straight Arrow Connector 77">
             <a:extLst>
               <a:ext uri="{FF2B5EF4-FFF2-40B4-BE49-F238E27FC236}">
-                <a16:creationId xmlns:lc="http://schemas.openxmlformats.org/drawingml/2006/lockedCanvas" xmlns:a16="http://schemas.microsoft.com/office/drawing/2014/main" xmlns="" id="{854D9FBB-2B36-4DC9-8B58-F7F177A8E586}"/>
+                <a16:creationId xmlns="" xmlns:a16="http://schemas.microsoft.com/office/drawing/2014/main" xmlns:lc="http://schemas.openxmlformats.org/drawingml/2006/lockedCanvas" id="{854D9FBB-2B36-4DC9-8B58-F7F177A8E586}"/>
               </a:ext>
             </a:extLst>
           </p:cNvPr>
@@ -6066,138 +6066,6 @@
           </a:fontRef>
         </p:style>
       </p:cxnSp>
-      <p:sp>
-        <p:nvSpPr>
-          <p:cNvPr id="33" name="TextBox 92"/>
-          <p:cNvSpPr txBox="1"/>
-          <p:nvPr/>
-        </p:nvSpPr>
-        <p:spPr>
-          <a:xfrm>
-            <a:off x="4932040" y="2575937"/>
-            <a:ext cx="220343" cy="276999"/>
-          </a:xfrm>
-          <a:prstGeom prst="rect">
-            <a:avLst/>
-          </a:prstGeom>
-          <a:noFill/>
-        </p:spPr>
-        <p:txBody>
-          <a:bodyPr wrap="square" lIns="0" tIns="0" rIns="0" bIns="0" rtlCol="0">
-            <a:spAutoFit/>
-          </a:bodyPr>
-          <a:lstStyle>
-            <a:defPPr>
-              <a:defRPr lang="en-US"/>
-            </a:defPPr>
-            <a:lvl1pPr marL="0" algn="l" defTabSz="914400" rtl="0" eaLnBrk="1" latinLnBrk="0" hangingPunct="1">
-              <a:defRPr sz="1800" kern="1200">
-                <a:solidFill>
-                  <a:schemeClr val="tx1"/>
-                </a:solidFill>
-                <a:latin typeface="+mn-lt"/>
-                <a:ea typeface="+mn-ea"/>
-                <a:cs typeface="+mn-cs"/>
-              </a:defRPr>
-            </a:lvl1pPr>
-            <a:lvl2pPr marL="457200" algn="l" defTabSz="914400" rtl="0" eaLnBrk="1" latinLnBrk="0" hangingPunct="1">
-              <a:defRPr sz="1800" kern="1200">
-                <a:solidFill>
-                  <a:schemeClr val="tx1"/>
-                </a:solidFill>
-                <a:latin typeface="+mn-lt"/>
-                <a:ea typeface="+mn-ea"/>
-                <a:cs typeface="+mn-cs"/>
-              </a:defRPr>
-            </a:lvl2pPr>
-            <a:lvl3pPr marL="914400" algn="l" defTabSz="914400" rtl="0" eaLnBrk="1" latinLnBrk="0" hangingPunct="1">
-              <a:defRPr sz="1800" kern="1200">
-                <a:solidFill>
-                  <a:schemeClr val="tx1"/>
-                </a:solidFill>
-                <a:latin typeface="+mn-lt"/>
-                <a:ea typeface="+mn-ea"/>
-                <a:cs typeface="+mn-cs"/>
-              </a:defRPr>
-            </a:lvl3pPr>
-            <a:lvl4pPr marL="1371600" algn="l" defTabSz="914400" rtl="0" eaLnBrk="1" latinLnBrk="0" hangingPunct="1">
-              <a:defRPr sz="1800" kern="1200">
-                <a:solidFill>
-                  <a:schemeClr val="tx1"/>
-                </a:solidFill>
-                <a:latin typeface="+mn-lt"/>
-                <a:ea typeface="+mn-ea"/>
-                <a:cs typeface="+mn-cs"/>
-              </a:defRPr>
-            </a:lvl4pPr>
-            <a:lvl5pPr marL="1828800" algn="l" defTabSz="914400" rtl="0" eaLnBrk="1" latinLnBrk="0" hangingPunct="1">
-              <a:defRPr sz="1800" kern="1200">
-                <a:solidFill>
-                  <a:schemeClr val="tx1"/>
-                </a:solidFill>
-                <a:latin typeface="+mn-lt"/>
-                <a:ea typeface="+mn-ea"/>
-                <a:cs typeface="+mn-cs"/>
-              </a:defRPr>
-            </a:lvl5pPr>
-            <a:lvl6pPr marL="2286000" algn="l" defTabSz="914400" rtl="0" eaLnBrk="1" latinLnBrk="0" hangingPunct="1">
-              <a:defRPr sz="1800" kern="1200">
-                <a:solidFill>
-                  <a:schemeClr val="tx1"/>
-                </a:solidFill>
-                <a:latin typeface="+mn-lt"/>
-                <a:ea typeface="+mn-ea"/>
-                <a:cs typeface="+mn-cs"/>
-              </a:defRPr>
-            </a:lvl6pPr>
-            <a:lvl7pPr marL="2743200" algn="l" defTabSz="914400" rtl="0" eaLnBrk="1" latinLnBrk="0" hangingPunct="1">
-              <a:defRPr sz="1800" kern="1200">
-                <a:solidFill>
-                  <a:schemeClr val="tx1"/>
-                </a:solidFill>
-                <a:latin typeface="+mn-lt"/>
-                <a:ea typeface="+mn-ea"/>
-                <a:cs typeface="+mn-cs"/>
-              </a:defRPr>
-            </a:lvl7pPr>
-            <a:lvl8pPr marL="3200400" algn="l" defTabSz="914400" rtl="0" eaLnBrk="1" latinLnBrk="0" hangingPunct="1">
-              <a:defRPr sz="1800" kern="1200">
-                <a:solidFill>
-                  <a:schemeClr val="tx1"/>
-                </a:solidFill>
-                <a:latin typeface="+mn-lt"/>
-                <a:ea typeface="+mn-ea"/>
-                <a:cs typeface="+mn-cs"/>
-              </a:defRPr>
-            </a:lvl8pPr>
-            <a:lvl9pPr marL="3657600" algn="l" defTabSz="914400" rtl="0" eaLnBrk="1" latinLnBrk="0" hangingPunct="1">
-              <a:defRPr sz="1800" kern="1200">
-                <a:solidFill>
-                  <a:schemeClr val="tx1"/>
-                </a:solidFill>
-                <a:latin typeface="+mn-lt"/>
-                <a:ea typeface="+mn-ea"/>
-                <a:cs typeface="+mn-cs"/>
-              </a:defRPr>
-            </a:lvl9pPr>
-          </a:lstStyle>
-          <a:p>
-            <a:r>
-              <a:rPr lang="en-US" dirty="0" smtClean="0">
-                <a:solidFill>
-                  <a:srgbClr val="0070C0"/>
-                </a:solidFill>
-              </a:rPr>
-              <a:t>tl</a:t>
-            </a:r>
-            <a:endParaRPr lang="en-US" dirty="0">
-              <a:solidFill>
-                <a:srgbClr val="0070C0"/>
-              </a:solidFill>
-            </a:endParaRPr>
-          </a:p>
-        </p:txBody>
-      </p:sp>
     </p:spTree>
   </p:cSld>
   <p:clrMapOvr>
